--- a/QR_Codes/QR_FlashCards.pptx
+++ b/QR_Codes/QR_FlashCards.pptx
@@ -105,6 +105,11 @@
       </a:defRPr>
     </a:lvl9pPr>
   </p:defaultTextStyle>
+  <p:extLst>
+    <p:ext uri="{EFAFB233-063F-42B5-8137-9DF3F51BA10A}">
+      <p15:sldGuideLst xmlns:p15="http://schemas.microsoft.com/office/powerpoint/2012/main"/>
+    </p:ext>
+  </p:extLst>
 </p:presentation>
 </file>
 
@@ -239,7 +244,7 @@
           <a:p>
             <a:fld id="{6843D457-D74E-417B-B9D1-464CA42346DA}" type="datetimeFigureOut">
               <a:rPr lang="en-US" smtClean="0"/>
-              <a:t>12/13/2015</a:t>
+              <a:t>12/17/2015</a:t>
             </a:fld>
             <a:endParaRPr lang="en-US"/>
           </a:p>
@@ -409,7 +414,7 @@
           <a:p>
             <a:fld id="{6843D457-D74E-417B-B9D1-464CA42346DA}" type="datetimeFigureOut">
               <a:rPr lang="en-US" smtClean="0"/>
-              <a:t>12/13/2015</a:t>
+              <a:t>12/17/2015</a:t>
             </a:fld>
             <a:endParaRPr lang="en-US"/>
           </a:p>
@@ -589,7 +594,7 @@
           <a:p>
             <a:fld id="{6843D457-D74E-417B-B9D1-464CA42346DA}" type="datetimeFigureOut">
               <a:rPr lang="en-US" smtClean="0"/>
-              <a:t>12/13/2015</a:t>
+              <a:t>12/17/2015</a:t>
             </a:fld>
             <a:endParaRPr lang="en-US"/>
           </a:p>
@@ -759,7 +764,7 @@
           <a:p>
             <a:fld id="{6843D457-D74E-417B-B9D1-464CA42346DA}" type="datetimeFigureOut">
               <a:rPr lang="en-US" smtClean="0"/>
-              <a:t>12/13/2015</a:t>
+              <a:t>12/17/2015</a:t>
             </a:fld>
             <a:endParaRPr lang="en-US"/>
           </a:p>
@@ -1003,7 +1008,7 @@
           <a:p>
             <a:fld id="{6843D457-D74E-417B-B9D1-464CA42346DA}" type="datetimeFigureOut">
               <a:rPr lang="en-US" smtClean="0"/>
-              <a:t>12/13/2015</a:t>
+              <a:t>12/17/2015</a:t>
             </a:fld>
             <a:endParaRPr lang="en-US"/>
           </a:p>
@@ -1235,7 +1240,7 @@
           <a:p>
             <a:fld id="{6843D457-D74E-417B-B9D1-464CA42346DA}" type="datetimeFigureOut">
               <a:rPr lang="en-US" smtClean="0"/>
-              <a:t>12/13/2015</a:t>
+              <a:t>12/17/2015</a:t>
             </a:fld>
             <a:endParaRPr lang="en-US"/>
           </a:p>
@@ -1602,7 +1607,7 @@
           <a:p>
             <a:fld id="{6843D457-D74E-417B-B9D1-464CA42346DA}" type="datetimeFigureOut">
               <a:rPr lang="en-US" smtClean="0"/>
-              <a:t>12/13/2015</a:t>
+              <a:t>12/17/2015</a:t>
             </a:fld>
             <a:endParaRPr lang="en-US"/>
           </a:p>
@@ -1720,7 +1725,7 @@
           <a:p>
             <a:fld id="{6843D457-D74E-417B-B9D1-464CA42346DA}" type="datetimeFigureOut">
               <a:rPr lang="en-US" smtClean="0"/>
-              <a:t>12/13/2015</a:t>
+              <a:t>12/17/2015</a:t>
             </a:fld>
             <a:endParaRPr lang="en-US"/>
           </a:p>
@@ -1815,7 +1820,7 @@
           <a:p>
             <a:fld id="{6843D457-D74E-417B-B9D1-464CA42346DA}" type="datetimeFigureOut">
               <a:rPr lang="en-US" smtClean="0"/>
-              <a:t>12/13/2015</a:t>
+              <a:t>12/17/2015</a:t>
             </a:fld>
             <a:endParaRPr lang="en-US"/>
           </a:p>
@@ -2092,7 +2097,7 @@
           <a:p>
             <a:fld id="{6843D457-D74E-417B-B9D1-464CA42346DA}" type="datetimeFigureOut">
               <a:rPr lang="en-US" smtClean="0"/>
-              <a:t>12/13/2015</a:t>
+              <a:t>12/17/2015</a:t>
             </a:fld>
             <a:endParaRPr lang="en-US"/>
           </a:p>
@@ -2349,7 +2354,7 @@
           <a:p>
             <a:fld id="{6843D457-D74E-417B-B9D1-464CA42346DA}" type="datetimeFigureOut">
               <a:rPr lang="en-US" smtClean="0"/>
-              <a:t>12/13/2015</a:t>
+              <a:t>12/17/2015</a:t>
             </a:fld>
             <a:endParaRPr lang="en-US"/>
           </a:p>
@@ -2562,7 +2567,7 @@
           <a:p>
             <a:fld id="{6843D457-D74E-417B-B9D1-464CA42346DA}" type="datetimeFigureOut">
               <a:rPr lang="en-US" smtClean="0"/>
-              <a:t>12/13/2015</a:t>
+              <a:t>12/17/2015</a:t>
             </a:fld>
             <a:endParaRPr lang="en-US"/>
           </a:p>
@@ -2967,9 +2972,133 @@
           <a:chExt cx="0" cy="0"/>
         </a:xfrm>
       </p:grpSpPr>
+      <p:sp>
+        <p:nvSpPr>
+          <p:cNvPr id="5" name="TextBox 4"/>
+          <p:cNvSpPr txBox="1"/>
+          <p:nvPr/>
+        </p:nvSpPr>
+        <p:spPr>
+          <a:xfrm>
+            <a:off x="741216" y="243776"/>
+            <a:ext cx="1607127" cy="369332"/>
+          </a:xfrm>
+          <a:prstGeom prst="rect">
+            <a:avLst/>
+          </a:prstGeom>
+          <a:noFill/>
+        </p:spPr>
+        <p:txBody>
+          <a:bodyPr wrap="square" rtlCol="0">
+            <a:spAutoFit/>
+          </a:bodyPr>
+          <a:lstStyle/>
+          <a:p>
+            <a:pPr algn="ctr"/>
+            <a:r>
+              <a:rPr lang="en-US" dirty="0" smtClean="0"/>
+              <a:t>nod</a:t>
+            </a:r>
+            <a:endParaRPr lang="en-US" dirty="0"/>
+          </a:p>
+        </p:txBody>
+      </p:sp>
+      <p:sp>
+        <p:nvSpPr>
+          <p:cNvPr id="7" name="TextBox 6"/>
+          <p:cNvSpPr txBox="1"/>
+          <p:nvPr/>
+        </p:nvSpPr>
+        <p:spPr>
+          <a:xfrm>
+            <a:off x="4344058" y="243776"/>
+            <a:ext cx="1607127" cy="369332"/>
+          </a:xfrm>
+          <a:prstGeom prst="rect">
+            <a:avLst/>
+          </a:prstGeom>
+          <a:noFill/>
+        </p:spPr>
+        <p:txBody>
+          <a:bodyPr wrap="square" rtlCol="0">
+            <a:spAutoFit/>
+          </a:bodyPr>
+          <a:lstStyle/>
+          <a:p>
+            <a:pPr algn="ctr"/>
+            <a:r>
+              <a:rPr lang="en-US" dirty="0" err="1" smtClean="0"/>
+              <a:t>shakeNo</a:t>
+            </a:r>
+            <a:endParaRPr lang="en-US" dirty="0"/>
+          </a:p>
+        </p:txBody>
+      </p:sp>
+      <p:sp>
+        <p:nvSpPr>
+          <p:cNvPr id="8" name="TextBox 7"/>
+          <p:cNvSpPr txBox="1"/>
+          <p:nvPr/>
+        </p:nvSpPr>
+        <p:spPr>
+          <a:xfrm>
+            <a:off x="741216" y="4936178"/>
+            <a:ext cx="1607127" cy="369332"/>
+          </a:xfrm>
+          <a:prstGeom prst="rect">
+            <a:avLst/>
+          </a:prstGeom>
+          <a:noFill/>
+        </p:spPr>
+        <p:txBody>
+          <a:bodyPr wrap="square" rtlCol="0">
+            <a:spAutoFit/>
+          </a:bodyPr>
+          <a:lstStyle/>
+          <a:p>
+            <a:pPr algn="ctr"/>
+            <a:r>
+              <a:rPr lang="en-US" dirty="0" err="1" smtClean="0"/>
+              <a:t>spinLeft</a:t>
+            </a:r>
+            <a:endParaRPr lang="en-US" dirty="0"/>
+          </a:p>
+        </p:txBody>
+      </p:sp>
+      <p:sp>
+        <p:nvSpPr>
+          <p:cNvPr id="11" name="TextBox 10"/>
+          <p:cNvSpPr txBox="1"/>
+          <p:nvPr/>
+        </p:nvSpPr>
+        <p:spPr>
+          <a:xfrm>
+            <a:off x="4344058" y="4927848"/>
+            <a:ext cx="1607127" cy="369332"/>
+          </a:xfrm>
+          <a:prstGeom prst="rect">
+            <a:avLst/>
+          </a:prstGeom>
+          <a:noFill/>
+        </p:spPr>
+        <p:txBody>
+          <a:bodyPr wrap="square" rtlCol="0">
+            <a:spAutoFit/>
+          </a:bodyPr>
+          <a:lstStyle/>
+          <a:p>
+            <a:pPr algn="ctr"/>
+            <a:r>
+              <a:rPr lang="en-US" dirty="0" err="1" smtClean="0"/>
+              <a:t>spinRight</a:t>
+            </a:r>
+            <a:endParaRPr lang="en-US" dirty="0"/>
+          </a:p>
+        </p:txBody>
+      </p:sp>
       <p:pic>
         <p:nvPicPr>
-          <p:cNvPr id="4" name="Picture 3"/>
+          <p:cNvPr id="2" name="Picture 1"/>
           <p:cNvPicPr>
             <a:picLocks noChangeAspect="1"/>
           </p:cNvPicPr>
@@ -2989,48 +3118,17 @@
         </p:blipFill>
         <p:spPr>
           <a:xfrm>
-            <a:off x="954231" y="2055668"/>
-            <a:ext cx="1181100" cy="1181100"/>
+            <a:off x="175819" y="775855"/>
+            <a:ext cx="3176982" cy="3176982"/>
           </a:xfrm>
           <a:prstGeom prst="rect">
             <a:avLst/>
           </a:prstGeom>
         </p:spPr>
       </p:pic>
-      <p:sp>
-        <p:nvSpPr>
-          <p:cNvPr id="5" name="TextBox 4"/>
-          <p:cNvSpPr txBox="1"/>
-          <p:nvPr/>
-        </p:nvSpPr>
-        <p:spPr>
-          <a:xfrm>
-            <a:off x="741217" y="775855"/>
-            <a:ext cx="1607127" cy="369332"/>
-          </a:xfrm>
-          <a:prstGeom prst="rect">
-            <a:avLst/>
-          </a:prstGeom>
-          <a:noFill/>
-        </p:spPr>
-        <p:txBody>
-          <a:bodyPr wrap="square" rtlCol="0">
-            <a:spAutoFit/>
-          </a:bodyPr>
-          <a:lstStyle/>
-          <a:p>
-            <a:pPr algn="ctr"/>
-            <a:r>
-              <a:rPr lang="en-US" dirty="0" smtClean="0"/>
-              <a:t>Abort</a:t>
-            </a:r>
-            <a:endParaRPr lang="en-US" dirty="0"/>
-          </a:p>
-        </p:txBody>
-      </p:sp>
       <p:pic>
         <p:nvPicPr>
-          <p:cNvPr id="6" name="Picture 5"/>
+          <p:cNvPr id="3" name="Picture 2"/>
           <p:cNvPicPr>
             <a:picLocks noChangeAspect="1"/>
           </p:cNvPicPr>
@@ -3050,79 +3148,17 @@
         </p:blipFill>
         <p:spPr>
           <a:xfrm>
-            <a:off x="4557073" y="2055668"/>
-            <a:ext cx="1181100" cy="1181100"/>
+            <a:off x="3560122" y="775855"/>
+            <a:ext cx="3176982" cy="3176982"/>
           </a:xfrm>
           <a:prstGeom prst="rect">
             <a:avLst/>
           </a:prstGeom>
         </p:spPr>
       </p:pic>
-      <p:sp>
-        <p:nvSpPr>
-          <p:cNvPr id="7" name="TextBox 6"/>
-          <p:cNvSpPr txBox="1"/>
-          <p:nvPr/>
-        </p:nvSpPr>
-        <p:spPr>
-          <a:xfrm>
-            <a:off x="4344059" y="775855"/>
-            <a:ext cx="1607127" cy="369332"/>
-          </a:xfrm>
-          <a:prstGeom prst="rect">
-            <a:avLst/>
-          </a:prstGeom>
-          <a:noFill/>
-        </p:spPr>
-        <p:txBody>
-          <a:bodyPr wrap="square" rtlCol="0">
-            <a:spAutoFit/>
-          </a:bodyPr>
-          <a:lstStyle/>
-          <a:p>
-            <a:pPr algn="ctr"/>
-            <a:r>
-              <a:rPr lang="en-US" dirty="0" smtClean="0"/>
-              <a:t>Execute</a:t>
-            </a:r>
-            <a:endParaRPr lang="en-US" dirty="0"/>
-          </a:p>
-        </p:txBody>
-      </p:sp>
-      <p:sp>
-        <p:nvSpPr>
-          <p:cNvPr id="8" name="TextBox 7"/>
-          <p:cNvSpPr txBox="1"/>
-          <p:nvPr/>
-        </p:nvSpPr>
-        <p:spPr>
-          <a:xfrm>
-            <a:off x="741216" y="5458692"/>
-            <a:ext cx="1607127" cy="369332"/>
-          </a:xfrm>
-          <a:prstGeom prst="rect">
-            <a:avLst/>
-          </a:prstGeom>
-          <a:noFill/>
-        </p:spPr>
-        <p:txBody>
-          <a:bodyPr wrap="square" rtlCol="0">
-            <a:spAutoFit/>
-          </a:bodyPr>
-          <a:lstStyle/>
-          <a:p>
-            <a:pPr algn="ctr"/>
-            <a:r>
-              <a:rPr lang="en-US" dirty="0" smtClean="0"/>
-              <a:t>Find Face</a:t>
-            </a:r>
-            <a:endParaRPr lang="en-US" dirty="0"/>
-          </a:p>
-        </p:txBody>
-      </p:sp>
       <p:pic>
         <p:nvPicPr>
-          <p:cNvPr id="9" name="Picture 8"/>
+          <p:cNvPr id="12" name="Picture 11"/>
           <p:cNvPicPr>
             <a:picLocks noChangeAspect="1"/>
           </p:cNvPicPr>
@@ -3142,8 +3178,8 @@
         </p:blipFill>
         <p:spPr>
           <a:xfrm>
-            <a:off x="954231" y="6641523"/>
-            <a:ext cx="1181100" cy="1181100"/>
+            <a:off x="169219" y="5643358"/>
+            <a:ext cx="3176982" cy="3176982"/>
           </a:xfrm>
           <a:prstGeom prst="rect">
             <a:avLst/>
@@ -3152,7 +3188,7 @@
       </p:pic>
       <p:pic>
         <p:nvPicPr>
-          <p:cNvPr id="10" name="Picture 9"/>
+          <p:cNvPr id="13" name="Picture 12"/>
           <p:cNvPicPr>
             <a:picLocks noChangeAspect="1"/>
           </p:cNvPicPr>
@@ -3172,45 +3208,14 @@
         </p:blipFill>
         <p:spPr>
           <a:xfrm>
-            <a:off x="4557072" y="6641523"/>
-            <a:ext cx="1181100" cy="1181100"/>
+            <a:off x="3560122" y="5643358"/>
+            <a:ext cx="3176982" cy="3176982"/>
           </a:xfrm>
           <a:prstGeom prst="rect">
             <a:avLst/>
           </a:prstGeom>
         </p:spPr>
       </p:pic>
-      <p:sp>
-        <p:nvSpPr>
-          <p:cNvPr id="11" name="TextBox 10"/>
-          <p:cNvSpPr txBox="1"/>
-          <p:nvPr/>
-        </p:nvSpPr>
-        <p:spPr>
-          <a:xfrm>
-            <a:off x="4344058" y="5458692"/>
-            <a:ext cx="1607127" cy="369332"/>
-          </a:xfrm>
-          <a:prstGeom prst="rect">
-            <a:avLst/>
-          </a:prstGeom>
-          <a:noFill/>
-        </p:spPr>
-        <p:txBody>
-          <a:bodyPr wrap="square" rtlCol="0">
-            <a:spAutoFit/>
-          </a:bodyPr>
-          <a:lstStyle/>
-          <a:p>
-            <a:pPr algn="ctr"/>
-            <a:r>
-              <a:rPr lang="en-US" dirty="0" smtClean="0"/>
-              <a:t>Save</a:t>
-            </a:r>
-            <a:endParaRPr lang="en-US" dirty="0"/>
-          </a:p>
-        </p:txBody>
-      </p:sp>
     </p:spTree>
     <p:extLst>
       <p:ext uri="{BB962C8B-B14F-4D97-AF65-F5344CB8AC3E}">
@@ -3241,9 +3246,71 @@
           <a:chExt cx="0" cy="0"/>
         </a:xfrm>
       </p:grpSpPr>
+      <p:sp>
+        <p:nvSpPr>
+          <p:cNvPr id="5" name="TextBox 4"/>
+          <p:cNvSpPr txBox="1"/>
+          <p:nvPr/>
+        </p:nvSpPr>
+        <p:spPr>
+          <a:xfrm>
+            <a:off x="741217" y="775855"/>
+            <a:ext cx="1769754" cy="369332"/>
+          </a:xfrm>
+          <a:prstGeom prst="rect">
+            <a:avLst/>
+          </a:prstGeom>
+          <a:noFill/>
+        </p:spPr>
+        <p:txBody>
+          <a:bodyPr wrap="square" rtlCol="0">
+            <a:spAutoFit/>
+          </a:bodyPr>
+          <a:lstStyle/>
+          <a:p>
+            <a:pPr algn="ctr"/>
+            <a:r>
+              <a:rPr lang="en-US" dirty="0" err="1" smtClean="0"/>
+              <a:t>leftHockiePokie</a:t>
+            </a:r>
+            <a:endParaRPr lang="en-US" dirty="0"/>
+          </a:p>
+        </p:txBody>
+      </p:sp>
+      <p:sp>
+        <p:nvSpPr>
+          <p:cNvPr id="11" name="TextBox 10"/>
+          <p:cNvSpPr txBox="1"/>
+          <p:nvPr/>
+        </p:nvSpPr>
+        <p:spPr>
+          <a:xfrm>
+            <a:off x="4299486" y="775855"/>
+            <a:ext cx="1738457" cy="369332"/>
+          </a:xfrm>
+          <a:prstGeom prst="rect">
+            <a:avLst/>
+          </a:prstGeom>
+          <a:noFill/>
+        </p:spPr>
+        <p:txBody>
+          <a:bodyPr wrap="square" rtlCol="0">
+            <a:spAutoFit/>
+          </a:bodyPr>
+          <a:lstStyle/>
+          <a:p>
+            <a:pPr algn="ctr"/>
+            <a:r>
+              <a:rPr lang="en-US" dirty="0" err="1" smtClean="0"/>
+              <a:t>rightHokiePokie</a:t>
+            </a:r>
+            <a:endParaRPr lang="en-US" dirty="0"/>
+          </a:p>
+        </p:txBody>
+      </p:sp>
       <p:pic>
         <p:nvPicPr>
-          <p:cNvPr id="3" name="Picture 2"/>
+          <p:cNvPr id="2" name="Picture 1"/>
           <p:cNvPicPr>
             <a:picLocks noChangeAspect="1"/>
           </p:cNvPicPr>
@@ -3263,48 +3330,17 @@
         </p:blipFill>
         <p:spPr>
           <a:xfrm>
-            <a:off x="954230" y="2070183"/>
-            <a:ext cx="1181100" cy="1181100"/>
+            <a:off x="132275" y="1248228"/>
+            <a:ext cx="3191495" cy="3191495"/>
           </a:xfrm>
           <a:prstGeom prst="rect">
             <a:avLst/>
           </a:prstGeom>
         </p:spPr>
       </p:pic>
-      <p:sp>
-        <p:nvSpPr>
-          <p:cNvPr id="5" name="TextBox 4"/>
-          <p:cNvSpPr txBox="1"/>
-          <p:nvPr/>
-        </p:nvSpPr>
-        <p:spPr>
-          <a:xfrm>
-            <a:off x="741217" y="775855"/>
-            <a:ext cx="1607127" cy="369332"/>
-          </a:xfrm>
-          <a:prstGeom prst="rect">
-            <a:avLst/>
-          </a:prstGeom>
-          <a:noFill/>
-        </p:spPr>
-        <p:txBody>
-          <a:bodyPr wrap="square" rtlCol="0">
-            <a:spAutoFit/>
-          </a:bodyPr>
-          <a:lstStyle/>
-          <a:p>
-            <a:pPr algn="ctr"/>
-            <a:r>
-              <a:rPr lang="en-US" dirty="0" smtClean="0"/>
-              <a:t>Forward</a:t>
-            </a:r>
-            <a:endParaRPr lang="en-US" dirty="0"/>
-          </a:p>
-        </p:txBody>
-      </p:sp>
       <p:pic>
         <p:nvPicPr>
-          <p:cNvPr id="6" name="Picture 5"/>
+          <p:cNvPr id="4" name="Picture 3"/>
           <p:cNvPicPr>
             <a:picLocks noChangeAspect="1"/>
           </p:cNvPicPr>
@@ -3324,167 +3360,14 @@
         </p:blipFill>
         <p:spPr>
           <a:xfrm>
-            <a:off x="954230" y="6753678"/>
-            <a:ext cx="1181100" cy="1181100"/>
+            <a:off x="3535135" y="1248227"/>
+            <a:ext cx="3191495" cy="3191495"/>
           </a:xfrm>
           <a:prstGeom prst="rect">
             <a:avLst/>
           </a:prstGeom>
         </p:spPr>
       </p:pic>
-      <p:sp>
-        <p:nvSpPr>
-          <p:cNvPr id="7" name="TextBox 6"/>
-          <p:cNvSpPr txBox="1"/>
-          <p:nvPr/>
-        </p:nvSpPr>
-        <p:spPr>
-          <a:xfrm>
-            <a:off x="741217" y="5311569"/>
-            <a:ext cx="1607127" cy="369332"/>
-          </a:xfrm>
-          <a:prstGeom prst="rect">
-            <a:avLst/>
-          </a:prstGeom>
-          <a:noFill/>
-        </p:spPr>
-        <p:txBody>
-          <a:bodyPr wrap="square" rtlCol="0">
-            <a:spAutoFit/>
-          </a:bodyPr>
-          <a:lstStyle/>
-          <a:p>
-            <a:pPr algn="ctr"/>
-            <a:r>
-              <a:rPr lang="en-US" dirty="0" smtClean="0"/>
-              <a:t>Left</a:t>
-            </a:r>
-            <a:endParaRPr lang="en-US" dirty="0"/>
-          </a:p>
-        </p:txBody>
-      </p:sp>
-      <p:pic>
-        <p:nvPicPr>
-          <p:cNvPr id="8" name="Picture 7"/>
-          <p:cNvPicPr>
-            <a:picLocks noChangeAspect="1"/>
-          </p:cNvPicPr>
-          <p:nvPr/>
-        </p:nvPicPr>
-        <p:blipFill>
-          <a:blip r:embed="rId4">
-            <a:extLst>
-              <a:ext uri="{28A0092B-C50C-407E-A947-70E740481C1C}">
-                <a14:useLocalDpi xmlns:a14="http://schemas.microsoft.com/office/drawing/2010/main" val="0"/>
-              </a:ext>
-            </a:extLst>
-          </a:blip>
-          <a:stretch>
-            <a:fillRect/>
-          </a:stretch>
-        </p:blipFill>
-        <p:spPr>
-          <a:xfrm>
-            <a:off x="4512499" y="6753678"/>
-            <a:ext cx="1181100" cy="1181100"/>
-          </a:xfrm>
-          <a:prstGeom prst="rect">
-            <a:avLst/>
-          </a:prstGeom>
-        </p:spPr>
-      </p:pic>
-      <p:sp>
-        <p:nvSpPr>
-          <p:cNvPr id="9" name="TextBox 8"/>
-          <p:cNvSpPr txBox="1"/>
-          <p:nvPr/>
-        </p:nvSpPr>
-        <p:spPr>
-          <a:xfrm>
-            <a:off x="4299486" y="5311569"/>
-            <a:ext cx="1607127" cy="369332"/>
-          </a:xfrm>
-          <a:prstGeom prst="rect">
-            <a:avLst/>
-          </a:prstGeom>
-          <a:noFill/>
-        </p:spPr>
-        <p:txBody>
-          <a:bodyPr wrap="square" rtlCol="0">
-            <a:spAutoFit/>
-          </a:bodyPr>
-          <a:lstStyle/>
-          <a:p>
-            <a:pPr algn="ctr"/>
-            <a:r>
-              <a:rPr lang="en-US" dirty="0" smtClean="0"/>
-              <a:t>Right</a:t>
-            </a:r>
-            <a:endParaRPr lang="en-US" dirty="0"/>
-          </a:p>
-        </p:txBody>
-      </p:sp>
-      <p:pic>
-        <p:nvPicPr>
-          <p:cNvPr id="10" name="Picture 9"/>
-          <p:cNvPicPr>
-            <a:picLocks noChangeAspect="1"/>
-          </p:cNvPicPr>
-          <p:nvPr/>
-        </p:nvPicPr>
-        <p:blipFill>
-          <a:blip r:embed="rId5">
-            <a:extLst>
-              <a:ext uri="{28A0092B-C50C-407E-A947-70E740481C1C}">
-                <a14:useLocalDpi xmlns:a14="http://schemas.microsoft.com/office/drawing/2010/main" val="0"/>
-              </a:ext>
-            </a:extLst>
-          </a:blip>
-          <a:stretch>
-            <a:fillRect/>
-          </a:stretch>
-        </p:blipFill>
-        <p:spPr>
-          <a:xfrm>
-            <a:off x="4512499" y="2070183"/>
-            <a:ext cx="1181100" cy="1181100"/>
-          </a:xfrm>
-          <a:prstGeom prst="rect">
-            <a:avLst/>
-          </a:prstGeom>
-        </p:spPr>
-      </p:pic>
-      <p:sp>
-        <p:nvSpPr>
-          <p:cNvPr id="11" name="TextBox 10"/>
-          <p:cNvSpPr txBox="1"/>
-          <p:nvPr/>
-        </p:nvSpPr>
-        <p:spPr>
-          <a:xfrm>
-            <a:off x="4299486" y="775855"/>
-            <a:ext cx="1607127" cy="369332"/>
-          </a:xfrm>
-          <a:prstGeom prst="rect">
-            <a:avLst/>
-          </a:prstGeom>
-          <a:noFill/>
-        </p:spPr>
-        <p:txBody>
-          <a:bodyPr wrap="square" rtlCol="0">
-            <a:spAutoFit/>
-          </a:bodyPr>
-          <a:lstStyle/>
-          <a:p>
-            <a:pPr algn="ctr"/>
-            <a:r>
-              <a:rPr lang="en-US" dirty="0" smtClean="0"/>
-              <a:t>Reverse</a:t>
-            </a:r>
-            <a:endParaRPr lang="en-US" dirty="0"/>
-          </a:p>
-        </p:txBody>
-      </p:sp>
     </p:spTree>
     <p:extLst>
       <p:ext uri="{BB962C8B-B14F-4D97-AF65-F5344CB8AC3E}">

--- a/QR_Codes/QR_FlashCards.pptx
+++ b/QR_Codes/QR_FlashCards.pptx
@@ -2980,7 +2980,7 @@
         </p:nvSpPr>
         <p:spPr>
           <a:xfrm>
-            <a:off x="741216" y="243776"/>
+            <a:off x="788228" y="243776"/>
             <a:ext cx="1607127" cy="369332"/>
           </a:xfrm>
           <a:prstGeom prst="rect">
@@ -3011,7 +3011,7 @@
         </p:nvSpPr>
         <p:spPr>
           <a:xfrm>
-            <a:off x="4344058" y="243776"/>
+            <a:off x="4465946" y="243776"/>
             <a:ext cx="1607127" cy="369332"/>
           </a:xfrm>
           <a:prstGeom prst="rect">
@@ -3042,7 +3042,7 @@
         </p:nvSpPr>
         <p:spPr>
           <a:xfrm>
-            <a:off x="741216" y="4936178"/>
+            <a:off x="788228" y="4936178"/>
             <a:ext cx="1607127" cy="369332"/>
           </a:xfrm>
           <a:prstGeom prst="rect">
@@ -3073,7 +3073,7 @@
         </p:nvSpPr>
         <p:spPr>
           <a:xfrm>
-            <a:off x="4344058" y="4927848"/>
+            <a:off x="4465946" y="4927848"/>
             <a:ext cx="1607127" cy="369332"/>
           </a:xfrm>
           <a:prstGeom prst="rect">
@@ -3118,7 +3118,7 @@
         </p:blipFill>
         <p:spPr>
           <a:xfrm>
-            <a:off x="175819" y="775855"/>
+            <a:off x="3300" y="775855"/>
             <a:ext cx="3176982" cy="3176982"/>
           </a:xfrm>
           <a:prstGeom prst="rect">
@@ -3148,7 +3148,7 @@
         </p:blipFill>
         <p:spPr>
           <a:xfrm>
-            <a:off x="3560122" y="775855"/>
+            <a:off x="3681018" y="775855"/>
             <a:ext cx="3176982" cy="3176982"/>
           </a:xfrm>
           <a:prstGeom prst="rect">
@@ -3178,7 +3178,7 @@
         </p:blipFill>
         <p:spPr>
           <a:xfrm>
-            <a:off x="169219" y="5643358"/>
+            <a:off x="3300" y="5643358"/>
             <a:ext cx="3176982" cy="3176982"/>
           </a:xfrm>
           <a:prstGeom prst="rect">
@@ -3208,7 +3208,7 @@
         </p:blipFill>
         <p:spPr>
           <a:xfrm>
-            <a:off x="3560122" y="5643358"/>
+            <a:off x="3681018" y="5643358"/>
             <a:ext cx="3176982" cy="3176982"/>
           </a:xfrm>
           <a:prstGeom prst="rect">
@@ -3254,7 +3254,7 @@
         </p:nvSpPr>
         <p:spPr>
           <a:xfrm>
-            <a:off x="741217" y="775855"/>
+            <a:off x="741216" y="775855"/>
             <a:ext cx="1769754" cy="369332"/>
           </a:xfrm>
           <a:prstGeom prst="rect">
@@ -3285,7 +3285,7 @@
         </p:nvSpPr>
         <p:spPr>
           <a:xfrm>
-            <a:off x="4299486" y="775855"/>
+            <a:off x="4393024" y="775855"/>
             <a:ext cx="1738457" cy="369332"/>
           </a:xfrm>
           <a:prstGeom prst="rect">
@@ -3330,7 +3330,7 @@
         </p:blipFill>
         <p:spPr>
           <a:xfrm>
-            <a:off x="132275" y="1248228"/>
+            <a:off x="30346" y="1248227"/>
             <a:ext cx="3191495" cy="3191495"/>
           </a:xfrm>
           <a:prstGeom prst="rect">
@@ -3360,7 +3360,7 @@
         </p:blipFill>
         <p:spPr>
           <a:xfrm>
-            <a:off x="3535135" y="1248227"/>
+            <a:off x="3666505" y="1248227"/>
             <a:ext cx="3191495" cy="3191495"/>
           </a:xfrm>
           <a:prstGeom prst="rect">
